--- a/svmpresentation.pptx
+++ b/svmpresentation.pptx
@@ -9,10 +9,10 @@
     <p:sldId id="257" r:id="rId3"/>
     <p:sldId id="258" r:id="rId4"/>
     <p:sldId id="259" r:id="rId5"/>
-    <p:sldId id="260" r:id="rId6"/>
-    <p:sldId id="261" r:id="rId7"/>
-    <p:sldId id="262" r:id="rId8"/>
-    <p:sldId id="263" r:id="rId9"/>
+    <p:sldId id="263" r:id="rId6"/>
+    <p:sldId id="260" r:id="rId7"/>
+    <p:sldId id="261" r:id="rId8"/>
+    <p:sldId id="262" r:id="rId9"/>
     <p:sldId id="264" r:id="rId10"/>
   </p:sldIdLst>
   <p:sldSz cx="9144000" cy="6858000" type="screen4x3"/>
@@ -311,7 +311,7 @@
           <a:p>
             <a:fld id="{98C86ECB-5225-BA49-92EA-D575C15DEB9B}" type="datetimeFigureOut">
               <a:rPr lang="en-US" smtClean="0"/>
-              <a:t>3/13/15</a:t>
+              <a:t>3/14/2015</a:t>
             </a:fld>
             <a:endParaRPr lang="en-US"/>
           </a:p>
@@ -440,7 +440,7 @@
           <a:p>
             <a:fld id="{98C86ECB-5225-BA49-92EA-D575C15DEB9B}" type="datetimeFigureOut">
               <a:rPr lang="en-US" smtClean="0"/>
-              <a:t>3/13/15</a:t>
+              <a:t>3/14/2015</a:t>
             </a:fld>
             <a:endParaRPr lang="en-US"/>
           </a:p>
@@ -745,7 +745,7 @@
           <a:p>
             <a:fld id="{98C86ECB-5225-BA49-92EA-D575C15DEB9B}" type="datetimeFigureOut">
               <a:rPr lang="en-US" smtClean="0"/>
-              <a:t>3/13/15</a:t>
+              <a:t>3/14/2015</a:t>
             </a:fld>
             <a:endParaRPr lang="en-US"/>
           </a:p>
@@ -971,7 +971,7 @@
           <a:p>
             <a:fld id="{98C86ECB-5225-BA49-92EA-D575C15DEB9B}" type="datetimeFigureOut">
               <a:rPr lang="en-US" smtClean="0"/>
-              <a:t>3/13/15</a:t>
+              <a:t>3/14/2015</a:t>
             </a:fld>
             <a:endParaRPr lang="en-US"/>
           </a:p>
@@ -1241,7 +1241,7 @@
           <a:p>
             <a:fld id="{98C86ECB-5225-BA49-92EA-D575C15DEB9B}" type="datetimeFigureOut">
               <a:rPr lang="en-US" smtClean="0"/>
-              <a:t>3/13/15</a:t>
+              <a:t>3/14/2015</a:t>
             </a:fld>
             <a:endParaRPr lang="en-US"/>
           </a:p>
@@ -1566,7 +1566,7 @@
           <a:p>
             <a:fld id="{98C86ECB-5225-BA49-92EA-D575C15DEB9B}" type="datetimeFigureOut">
               <a:rPr lang="en-US" smtClean="0"/>
-              <a:t>3/13/15</a:t>
+              <a:t>3/14/2015</a:t>
             </a:fld>
             <a:endParaRPr lang="en-US"/>
           </a:p>
@@ -1759,7 +1759,7 @@
           <a:p>
             <a:fld id="{98C86ECB-5225-BA49-92EA-D575C15DEB9B}" type="datetimeFigureOut">
               <a:rPr lang="en-US" smtClean="0"/>
-              <a:t>3/13/15</a:t>
+              <a:t>3/14/2015</a:t>
             </a:fld>
             <a:endParaRPr lang="en-US"/>
           </a:p>
@@ -1863,7 +1863,7 @@
           <a:p>
             <a:fld id="{98C86ECB-5225-BA49-92EA-D575C15DEB9B}" type="datetimeFigureOut">
               <a:rPr lang="en-US" smtClean="0"/>
-              <a:t>3/13/15</a:t>
+              <a:t>3/14/2015</a:t>
             </a:fld>
             <a:endParaRPr lang="en-US"/>
           </a:p>
@@ -2032,7 +2032,7 @@
           <a:p>
             <a:fld id="{98C86ECB-5225-BA49-92EA-D575C15DEB9B}" type="datetimeFigureOut">
               <a:rPr lang="en-US" smtClean="0"/>
-              <a:t>3/13/15</a:t>
+              <a:t>3/14/2015</a:t>
             </a:fld>
             <a:endParaRPr lang="en-US"/>
           </a:p>
@@ -2296,7 +2296,7 @@
           <a:p>
             <a:fld id="{98C86ECB-5225-BA49-92EA-D575C15DEB9B}" type="datetimeFigureOut">
               <a:rPr lang="en-US" smtClean="0"/>
-              <a:t>3/13/15</a:t>
+              <a:t>3/14/2015</a:t>
             </a:fld>
             <a:endParaRPr lang="en-US"/>
           </a:p>
@@ -2630,7 +2630,7 @@
           <a:p>
             <a:fld id="{98C86ECB-5225-BA49-92EA-D575C15DEB9B}" type="datetimeFigureOut">
               <a:rPr lang="en-US" smtClean="0"/>
-              <a:t>3/13/15</a:t>
+              <a:t>3/14/2015</a:t>
             </a:fld>
             <a:endParaRPr lang="en-US"/>
           </a:p>
@@ -3071,7 +3071,7 @@
           <a:p>
             <a:fld id="{98C86ECB-5225-BA49-92EA-D575C15DEB9B}" type="datetimeFigureOut">
               <a:rPr lang="en-US" smtClean="0"/>
-              <a:t>3/13/15</a:t>
+              <a:t>3/14/2015</a:t>
             </a:fld>
             <a:endParaRPr lang="en-US"/>
           </a:p>
@@ -3269,7 +3269,7 @@
           <a:p>
             <a:fld id="{98C86ECB-5225-BA49-92EA-D575C15DEB9B}" type="datetimeFigureOut">
               <a:rPr lang="en-US" smtClean="0"/>
-              <a:t>3/13/15</a:t>
+              <a:t>3/14/2015</a:t>
             </a:fld>
             <a:endParaRPr lang="en-US"/>
           </a:p>
@@ -3552,7 +3552,7 @@
           <a:p>
             <a:fld id="{98C86ECB-5225-BA49-92EA-D575C15DEB9B}" type="datetimeFigureOut">
               <a:rPr lang="en-US" smtClean="0"/>
-              <a:t>3/13/15</a:t>
+              <a:t>3/14/2015</a:t>
             </a:fld>
             <a:endParaRPr lang="en-US"/>
           </a:p>
@@ -3920,7 +3920,7 @@
           <a:p>
             <a:fld id="{98C86ECB-5225-BA49-92EA-D575C15DEB9B}" type="datetimeFigureOut">
               <a:rPr lang="en-US" smtClean="0"/>
-              <a:t>3/13/15</a:t>
+              <a:t>3/14/2015</a:t>
             </a:fld>
             <a:endParaRPr lang="en-US"/>
           </a:p>
@@ -4416,7 +4416,7 @@
           <a:p>
             <a:fld id="{98C86ECB-5225-BA49-92EA-D575C15DEB9B}" type="datetimeFigureOut">
               <a:rPr lang="en-US" smtClean="0"/>
-              <a:t>3/13/15</a:t>
+              <a:t>3/14/2015</a:t>
             </a:fld>
             <a:endParaRPr lang="en-US"/>
           </a:p>
@@ -4625,7 +4625,7 @@
           <a:p>
             <a:fld id="{98C86ECB-5225-BA49-92EA-D575C15DEB9B}" type="datetimeFigureOut">
               <a:rPr lang="en-US" smtClean="0"/>
-              <a:t>3/13/15</a:t>
+              <a:t>3/14/2015</a:t>
             </a:fld>
             <a:endParaRPr lang="en-US"/>
           </a:p>
@@ -5103,8 +5103,29 @@
                   </a:schemeClr>
                 </a:solidFill>
               </a:rPr>
-              <a:t>Stock Virtual Machine</a:t>
-            </a:r>
+              <a:t>Stock Virtual </a:t>
+            </a:r>
+            <a:r>
+              <a:rPr lang="en-US" sz="4400" b="1" dirty="0" smtClean="0">
+                <a:solidFill>
+                  <a:schemeClr val="accent1">
+                    <a:lumMod val="60000"/>
+                    <a:lumOff val="40000"/>
+                  </a:schemeClr>
+                </a:solidFill>
+              </a:rPr>
+              <a:t>Machine</a:t>
+            </a:r>
+            <a:br>
+              <a:rPr lang="en-US" sz="4400" b="1" dirty="0" smtClean="0">
+                <a:solidFill>
+                  <a:schemeClr val="accent1">
+                    <a:lumMod val="60000"/>
+                    <a:lumOff val="40000"/>
+                  </a:schemeClr>
+                </a:solidFill>
+              </a:rPr>
+            </a:br>
             <a:endParaRPr lang="en-US" sz="4400" b="1" dirty="0">
               <a:solidFill>
                 <a:schemeClr val="accent1">
@@ -5135,7 +5156,11 @@
           <a:p>
             <a:r>
               <a:rPr lang="en-US" sz="2400" b="1" dirty="0" smtClean="0"/>
-              <a:t>Sujay Patel</a:t>
+              <a:t>Sujal </a:t>
+            </a:r>
+            <a:r>
+              <a:rPr lang="en-US" sz="2400" b="1" dirty="0" smtClean="0"/>
+              <a:t>Patel</a:t>
             </a:r>
           </a:p>
           <a:p>
@@ -5147,7 +5172,11 @@
           <a:p>
             <a:r>
               <a:rPr lang="en-US" sz="2400" b="1" dirty="0" smtClean="0"/>
-              <a:t>Sujal Patel </a:t>
+              <a:t>Sujay </a:t>
+            </a:r>
+            <a:r>
+              <a:rPr lang="en-US" sz="2400" b="1" dirty="0" smtClean="0"/>
+              <a:t>Patel </a:t>
             </a:r>
             <a:endParaRPr lang="en-US" sz="2400" b="1" dirty="0"/>
           </a:p>
@@ -5163,6 +5192,13 @@
   <p:clrMapOvr>
     <a:masterClrMapping/>
   </p:clrMapOvr>
+  <p:timing>
+    <p:tnLst>
+      <p:par>
+        <p:cTn id="1" dur="indefinite" restart="never" nodeType="tmRoot"/>
+      </p:par>
+    </p:tnLst>
+  </p:timing>
 </p:sld>
 </file>
 
@@ -5202,29 +5238,54 @@
               <a:rPr lang="en-US" sz="4800" dirty="0" smtClean="0"/>
               <a:t>Home</a:t>
             </a:r>
+            <a:br>
+              <a:rPr lang="en-US" sz="4800" dirty="0" smtClean="0"/>
+            </a:br>
             <a:endParaRPr lang="en-US" sz="4800" dirty="0"/>
           </a:p>
         </p:txBody>
       </p:sp>
-      <p:sp>
-        <p:nvSpPr>
-          <p:cNvPr id="3" name="Content Placeholder 2"/>
-          <p:cNvSpPr>
-            <a:spLocks noGrp="1"/>
-          </p:cNvSpPr>
-          <p:nvPr>
-            <p:ph idx="1"/>
-          </p:nvPr>
-        </p:nvSpPr>
-        <p:spPr/>
-        <p:txBody>
-          <a:bodyPr/>
-          <a:lstStyle/>
-          <a:p>
-            <a:endParaRPr lang="en-US"/>
-          </a:p>
-        </p:txBody>
-      </p:sp>
+      <p:pic>
+        <p:nvPicPr>
+          <p:cNvPr id="1026" name="Picture 2" descr="C:\Users\Sujal\Desktop\Home Page.png"/>
+          <p:cNvPicPr>
+            <a:picLocks noChangeAspect="1" noChangeArrowheads="1"/>
+          </p:cNvPicPr>
+          <p:nvPr/>
+        </p:nvPicPr>
+        <p:blipFill>
+          <a:blip r:embed="rId2">
+            <a:extLst>
+              <a:ext uri="{28A0092B-C50C-407E-A947-70E740481C1C}">
+                <a14:useLocalDpi xmlns:a14="http://schemas.microsoft.com/office/drawing/2010/main" val="0"/>
+              </a:ext>
+            </a:extLst>
+          </a:blip>
+          <a:srcRect/>
+          <a:stretch>
+            <a:fillRect/>
+          </a:stretch>
+        </p:blipFill>
+        <p:spPr bwMode="auto">
+          <a:xfrm>
+            <a:off x="0" y="1033154"/>
+            <a:ext cx="9144000" cy="5569528"/>
+          </a:xfrm>
+          <a:prstGeom prst="rect">
+            <a:avLst/>
+          </a:prstGeom>
+          <a:noFill/>
+          <a:extLst>
+            <a:ext uri="{909E8E84-426E-40DD-AFC4-6F175D3DCCD1}">
+              <a14:hiddenFill xmlns:a14="http://schemas.microsoft.com/office/drawing/2010/main">
+                <a:solidFill>
+                  <a:srgbClr val="FFFFFF"/>
+                </a:solidFill>
+              </a14:hiddenFill>
+            </a:ext>
+          </a:extLst>
+        </p:spPr>
+      </p:pic>
     </p:spTree>
     <p:extLst>
       <p:ext uri="{BB962C8B-B14F-4D97-AF65-F5344CB8AC3E}">
@@ -5235,6 +5296,13 @@
   <p:clrMapOvr>
     <a:masterClrMapping/>
   </p:clrMapOvr>
+  <p:timing>
+    <p:tnLst>
+      <p:par>
+        <p:cTn id="1" dur="indefinite" restart="never" nodeType="tmRoot"/>
+      </p:par>
+    </p:tnLst>
+  </p:timing>
 </p:sld>
 </file>
 
@@ -5274,6 +5342,9 @@
               <a:rPr lang="en-US" dirty="0" smtClean="0"/>
               <a:t>Registration</a:t>
             </a:r>
+            <a:br>
+              <a:rPr lang="en-US" dirty="0" smtClean="0"/>
+            </a:br>
             <a:endParaRPr lang="en-US" dirty="0"/>
           </a:p>
         </p:txBody>
@@ -5297,6 +5368,58 @@
           </a:p>
         </p:txBody>
       </p:sp>
+      <p:pic>
+        <p:nvPicPr>
+          <p:cNvPr id="2050" name="Picture 2"/>
+          <p:cNvPicPr>
+            <a:picLocks noChangeAspect="1" noChangeArrowheads="1"/>
+          </p:cNvPicPr>
+          <p:nvPr/>
+        </p:nvPicPr>
+        <p:blipFill rotWithShape="1">
+          <a:blip r:embed="rId2">
+            <a:extLst>
+              <a:ext uri="{28A0092B-C50C-407E-A947-70E740481C1C}">
+                <a14:useLocalDpi xmlns:a14="http://schemas.microsoft.com/office/drawing/2010/main" val="0"/>
+              </a:ext>
+            </a:extLst>
+          </a:blip>
+          <a:srcRect r="1274" b="2166"/>
+          <a:stretch/>
+        </p:blipFill>
+        <p:spPr bwMode="auto">
+          <a:xfrm>
+            <a:off x="0" y="1092530"/>
+            <a:ext cx="9143999" cy="5379522"/>
+          </a:xfrm>
+          <a:prstGeom prst="rect">
+            <a:avLst/>
+          </a:prstGeom>
+          <a:noFill/>
+          <a:ln>
+            <a:noFill/>
+          </a:ln>
+          <a:extLst>
+            <a:ext uri="{909E8E84-426E-40DD-AFC4-6F175D3DCCD1}">
+              <a14:hiddenFill xmlns:a14="http://schemas.microsoft.com/office/drawing/2010/main">
+                <a:solidFill>
+                  <a:schemeClr val="accent1"/>
+                </a:solidFill>
+              </a14:hiddenFill>
+            </a:ext>
+            <a:ext uri="{91240B29-F687-4F45-9708-019B960494DF}">
+              <a14:hiddenLine xmlns:a14="http://schemas.microsoft.com/office/drawing/2010/main" w="9525">
+                <a:solidFill>
+                  <a:schemeClr val="tx1"/>
+                </a:solidFill>
+                <a:miter lim="800000"/>
+                <a:headEnd/>
+                <a:tailEnd/>
+              </a14:hiddenLine>
+            </a:ext>
+          </a:extLst>
+        </p:spPr>
+      </p:pic>
     </p:spTree>
     <p:extLst>
       <p:ext uri="{BB962C8B-B14F-4D97-AF65-F5344CB8AC3E}">
@@ -5307,6 +5430,13 @@
   <p:clrMapOvr>
     <a:masterClrMapping/>
   </p:clrMapOvr>
+  <p:timing>
+    <p:tnLst>
+      <p:par>
+        <p:cTn id="1" dur="indefinite" restart="never" nodeType="tmRoot"/>
+      </p:par>
+    </p:tnLst>
+  </p:timing>
 </p:sld>
 </file>
 
@@ -5346,29 +5476,65 @@
               <a:rPr lang="en-US" dirty="0" smtClean="0"/>
               <a:t>Login</a:t>
             </a:r>
+            <a:br>
+              <a:rPr lang="en-US" dirty="0" smtClean="0"/>
+            </a:br>
             <a:endParaRPr lang="en-US" dirty="0"/>
           </a:p>
         </p:txBody>
       </p:sp>
-      <p:sp>
-        <p:nvSpPr>
-          <p:cNvPr id="3" name="Content Placeholder 2"/>
-          <p:cNvSpPr>
-            <a:spLocks noGrp="1"/>
-          </p:cNvSpPr>
-          <p:nvPr>
-            <p:ph idx="1"/>
-          </p:nvPr>
-        </p:nvSpPr>
-        <p:spPr/>
-        <p:txBody>
-          <a:bodyPr/>
-          <a:lstStyle/>
-          <a:p>
-            <a:endParaRPr lang="en-US"/>
-          </a:p>
-        </p:txBody>
-      </p:sp>
+      <p:pic>
+        <p:nvPicPr>
+          <p:cNvPr id="3074" name="Picture 2"/>
+          <p:cNvPicPr>
+            <a:picLocks noChangeAspect="1" noChangeArrowheads="1"/>
+          </p:cNvPicPr>
+          <p:nvPr/>
+        </p:nvPicPr>
+        <p:blipFill rotWithShape="1">
+          <a:blip r:embed="rId2">
+            <a:extLst>
+              <a:ext uri="{28A0092B-C50C-407E-A947-70E740481C1C}">
+                <a14:useLocalDpi xmlns:a14="http://schemas.microsoft.com/office/drawing/2010/main" val="0"/>
+              </a:ext>
+            </a:extLst>
+          </a:blip>
+          <a:srcRect b="17034"/>
+          <a:stretch/>
+        </p:blipFill>
+        <p:spPr bwMode="auto">
+          <a:xfrm>
+            <a:off x="0" y="1068779"/>
+            <a:ext cx="9144000" cy="5391398"/>
+          </a:xfrm>
+          <a:prstGeom prst="rect">
+            <a:avLst/>
+          </a:prstGeom>
+          <a:noFill/>
+          <a:ln>
+            <a:noFill/>
+          </a:ln>
+          <a:extLst>
+            <a:ext uri="{909E8E84-426E-40DD-AFC4-6F175D3DCCD1}">
+              <a14:hiddenFill xmlns:a14="http://schemas.microsoft.com/office/drawing/2010/main">
+                <a:solidFill>
+                  <a:schemeClr val="accent1"/>
+                </a:solidFill>
+              </a14:hiddenFill>
+            </a:ext>
+            <a:ext uri="{91240B29-F687-4F45-9708-019B960494DF}">
+              <a14:hiddenLine xmlns:a14="http://schemas.microsoft.com/office/drawing/2010/main" w="9525">
+                <a:solidFill>
+                  <a:schemeClr val="tx1"/>
+                </a:solidFill>
+                <a:miter lim="800000"/>
+                <a:headEnd/>
+                <a:tailEnd/>
+              </a14:hiddenLine>
+            </a:ext>
+          </a:extLst>
+        </p:spPr>
+      </p:pic>
     </p:spTree>
     <p:extLst>
       <p:ext uri="{BB962C8B-B14F-4D97-AF65-F5344CB8AC3E}">
@@ -5379,6 +5545,13 @@
   <p:clrMapOvr>
     <a:masterClrMapping/>
   </p:clrMapOvr>
+  <p:timing>
+    <p:tnLst>
+      <p:par>
+        <p:cTn id="1" dur="indefinite" restart="never" nodeType="tmRoot"/>
+      </p:par>
+    </p:tnLst>
+  </p:timing>
 </p:sld>
 </file>
 
@@ -5416,41 +5589,88 @@
           <a:p>
             <a:r>
               <a:rPr lang="en-US" dirty="0" smtClean="0"/>
-              <a:t>Help</a:t>
-            </a:r>
+              <a:t>Forgot </a:t>
+            </a:r>
+            <a:r>
+              <a:rPr lang="en-US" dirty="0" smtClean="0"/>
+              <a:t>Password</a:t>
+            </a:r>
+            <a:br>
+              <a:rPr lang="en-US" dirty="0" smtClean="0"/>
+            </a:br>
             <a:endParaRPr lang="en-US" dirty="0"/>
           </a:p>
         </p:txBody>
       </p:sp>
-      <p:sp>
-        <p:nvSpPr>
-          <p:cNvPr id="3" name="Content Placeholder 2"/>
-          <p:cNvSpPr>
-            <a:spLocks noGrp="1"/>
-          </p:cNvSpPr>
-          <p:nvPr>
-            <p:ph idx="1"/>
-          </p:nvPr>
-        </p:nvSpPr>
-        <p:spPr/>
-        <p:txBody>
-          <a:bodyPr/>
-          <a:lstStyle/>
-          <a:p>
-            <a:endParaRPr lang="en-US"/>
-          </a:p>
-        </p:txBody>
-      </p:sp>
+      <p:pic>
+        <p:nvPicPr>
+          <p:cNvPr id="7170" name="Picture 2"/>
+          <p:cNvPicPr>
+            <a:picLocks noChangeAspect="1" noChangeArrowheads="1"/>
+          </p:cNvPicPr>
+          <p:nvPr/>
+        </p:nvPicPr>
+        <p:blipFill rotWithShape="1">
+          <a:blip r:embed="rId2">
+            <a:extLst>
+              <a:ext uri="{28A0092B-C50C-407E-A947-70E740481C1C}">
+                <a14:useLocalDpi xmlns:a14="http://schemas.microsoft.com/office/drawing/2010/main" val="0"/>
+              </a:ext>
+            </a:extLst>
+          </a:blip>
+          <a:srcRect l="17554" r="18616" b="54221"/>
+          <a:stretch/>
+        </p:blipFill>
+        <p:spPr bwMode="auto">
+          <a:xfrm>
+            <a:off x="0" y="1199405"/>
+            <a:ext cx="9143999" cy="5157247"/>
+          </a:xfrm>
+          <a:prstGeom prst="rect">
+            <a:avLst/>
+          </a:prstGeom>
+          <a:noFill/>
+          <a:ln>
+            <a:noFill/>
+          </a:ln>
+          <a:extLst>
+            <a:ext uri="{909E8E84-426E-40DD-AFC4-6F175D3DCCD1}">
+              <a14:hiddenFill xmlns:a14="http://schemas.microsoft.com/office/drawing/2010/main">
+                <a:solidFill>
+                  <a:schemeClr val="accent1"/>
+                </a:solidFill>
+              </a14:hiddenFill>
+            </a:ext>
+            <a:ext uri="{91240B29-F687-4F45-9708-019B960494DF}">
+              <a14:hiddenLine xmlns:a14="http://schemas.microsoft.com/office/drawing/2010/main" w="9525">
+                <a:solidFill>
+                  <a:schemeClr val="tx1"/>
+                </a:solidFill>
+                <a:miter lim="800000"/>
+                <a:headEnd/>
+                <a:tailEnd/>
+              </a14:hiddenLine>
+            </a:ext>
+          </a:extLst>
+        </p:spPr>
+      </p:pic>
     </p:spTree>
     <p:extLst>
       <p:ext uri="{BB962C8B-B14F-4D97-AF65-F5344CB8AC3E}">
-        <p14:creationId xmlns:p14="http://schemas.microsoft.com/office/powerpoint/2010/main" val="2838274917"/>
+        <p14:creationId xmlns:p14="http://schemas.microsoft.com/office/powerpoint/2010/main" val="3173129679"/>
       </p:ext>
     </p:extLst>
   </p:cSld>
   <p:clrMapOvr>
     <a:masterClrMapping/>
   </p:clrMapOvr>
+  <p:timing>
+    <p:tnLst>
+      <p:par>
+        <p:cTn id="1" dur="indefinite" restart="never" nodeType="tmRoot"/>
+      </p:par>
+    </p:tnLst>
+  </p:timing>
 </p:sld>
 </file>
 
@@ -5488,41 +5708,84 @@
           <a:p>
             <a:r>
               <a:rPr lang="en-US" dirty="0" smtClean="0"/>
-              <a:t>About us</a:t>
-            </a:r>
+              <a:t>Help</a:t>
+            </a:r>
+            <a:br>
+              <a:rPr lang="en-US" dirty="0" smtClean="0"/>
+            </a:br>
             <a:endParaRPr lang="en-US" dirty="0"/>
           </a:p>
         </p:txBody>
       </p:sp>
-      <p:sp>
-        <p:nvSpPr>
-          <p:cNvPr id="3" name="Content Placeholder 2"/>
-          <p:cNvSpPr>
-            <a:spLocks noGrp="1"/>
-          </p:cNvSpPr>
-          <p:nvPr>
-            <p:ph idx="1"/>
-          </p:nvPr>
-        </p:nvSpPr>
-        <p:spPr/>
-        <p:txBody>
-          <a:bodyPr/>
-          <a:lstStyle/>
-          <a:p>
-            <a:endParaRPr lang="en-US"/>
-          </a:p>
-        </p:txBody>
-      </p:sp>
+      <p:pic>
+        <p:nvPicPr>
+          <p:cNvPr id="4098" name="Picture 2"/>
+          <p:cNvPicPr>
+            <a:picLocks noChangeAspect="1" noChangeArrowheads="1"/>
+          </p:cNvPicPr>
+          <p:nvPr/>
+        </p:nvPicPr>
+        <p:blipFill rotWithShape="1">
+          <a:blip r:embed="rId2">
+            <a:extLst>
+              <a:ext uri="{28A0092B-C50C-407E-A947-70E740481C1C}">
+                <a14:useLocalDpi xmlns:a14="http://schemas.microsoft.com/office/drawing/2010/main" val="0"/>
+              </a:ext>
+            </a:extLst>
+          </a:blip>
+          <a:srcRect r="1510" b="3924"/>
+          <a:stretch/>
+        </p:blipFill>
+        <p:spPr bwMode="auto">
+          <a:xfrm>
+            <a:off x="0" y="1092530"/>
+            <a:ext cx="9144000" cy="5332020"/>
+          </a:xfrm>
+          <a:prstGeom prst="rect">
+            <a:avLst/>
+          </a:prstGeom>
+          <a:noFill/>
+          <a:ln>
+            <a:noFill/>
+          </a:ln>
+          <a:extLst>
+            <a:ext uri="{909E8E84-426E-40DD-AFC4-6F175D3DCCD1}">
+              <a14:hiddenFill xmlns:a14="http://schemas.microsoft.com/office/drawing/2010/main">
+                <a:solidFill>
+                  <a:schemeClr val="accent1"/>
+                </a:solidFill>
+              </a14:hiddenFill>
+            </a:ext>
+            <a:ext uri="{91240B29-F687-4F45-9708-019B960494DF}">
+              <a14:hiddenLine xmlns:a14="http://schemas.microsoft.com/office/drawing/2010/main" w="9525">
+                <a:solidFill>
+                  <a:schemeClr val="tx1"/>
+                </a:solidFill>
+                <a:miter lim="800000"/>
+                <a:headEnd/>
+                <a:tailEnd/>
+              </a14:hiddenLine>
+            </a:ext>
+          </a:extLst>
+        </p:spPr>
+      </p:pic>
     </p:spTree>
     <p:extLst>
       <p:ext uri="{BB962C8B-B14F-4D97-AF65-F5344CB8AC3E}">
-        <p14:creationId xmlns:p14="http://schemas.microsoft.com/office/powerpoint/2010/main" val="3569357196"/>
+        <p14:creationId xmlns:p14="http://schemas.microsoft.com/office/powerpoint/2010/main" val="2838274917"/>
       </p:ext>
     </p:extLst>
   </p:cSld>
   <p:clrMapOvr>
     <a:masterClrMapping/>
   </p:clrMapOvr>
+  <p:timing>
+    <p:tnLst>
+      <p:par>
+        <p:cTn id="1" dur="indefinite" restart="never" nodeType="tmRoot"/>
+      </p:par>
+    </p:tnLst>
+  </p:timing>
 </p:sld>
 </file>
 
@@ -5560,41 +5823,88 @@
           <a:p>
             <a:r>
               <a:rPr lang="en-US" dirty="0" smtClean="0"/>
-              <a:t>Portfolio</a:t>
-            </a:r>
+              <a:t>About </a:t>
+            </a:r>
+            <a:r>
+              <a:rPr lang="en-US" dirty="0" smtClean="0"/>
+              <a:t>us</a:t>
+            </a:r>
+            <a:br>
+              <a:rPr lang="en-US" dirty="0" smtClean="0"/>
+            </a:br>
             <a:endParaRPr lang="en-US" dirty="0"/>
           </a:p>
         </p:txBody>
       </p:sp>
-      <p:sp>
-        <p:nvSpPr>
-          <p:cNvPr id="3" name="Content Placeholder 2"/>
-          <p:cNvSpPr>
-            <a:spLocks noGrp="1"/>
-          </p:cNvSpPr>
-          <p:nvPr>
-            <p:ph idx="1"/>
-          </p:nvPr>
-        </p:nvSpPr>
-        <p:spPr/>
-        <p:txBody>
-          <a:bodyPr/>
-          <a:lstStyle/>
-          <a:p>
-            <a:endParaRPr lang="en-US"/>
-          </a:p>
-        </p:txBody>
-      </p:sp>
+      <p:pic>
+        <p:nvPicPr>
+          <p:cNvPr id="5122" name="Picture 2"/>
+          <p:cNvPicPr>
+            <a:picLocks noChangeAspect="1" noChangeArrowheads="1"/>
+          </p:cNvPicPr>
+          <p:nvPr/>
+        </p:nvPicPr>
+        <p:blipFill rotWithShape="1">
+          <a:blip r:embed="rId2">
+            <a:extLst>
+              <a:ext uri="{28A0092B-C50C-407E-A947-70E740481C1C}">
+                <a14:useLocalDpi xmlns:a14="http://schemas.microsoft.com/office/drawing/2010/main" val="0"/>
+              </a:ext>
+            </a:extLst>
+          </a:blip>
+          <a:srcRect b="16505"/>
+          <a:stretch/>
+        </p:blipFill>
+        <p:spPr bwMode="auto">
+          <a:xfrm>
+            <a:off x="-7593" y="1104405"/>
+            <a:ext cx="9151593" cy="5320145"/>
+          </a:xfrm>
+          <a:prstGeom prst="rect">
+            <a:avLst/>
+          </a:prstGeom>
+          <a:noFill/>
+          <a:ln>
+            <a:noFill/>
+          </a:ln>
+          <a:extLst>
+            <a:ext uri="{909E8E84-426E-40DD-AFC4-6F175D3DCCD1}">
+              <a14:hiddenFill xmlns:a14="http://schemas.microsoft.com/office/drawing/2010/main">
+                <a:solidFill>
+                  <a:schemeClr val="accent1"/>
+                </a:solidFill>
+              </a14:hiddenFill>
+            </a:ext>
+            <a:ext uri="{91240B29-F687-4F45-9708-019B960494DF}">
+              <a14:hiddenLine xmlns:a14="http://schemas.microsoft.com/office/drawing/2010/main" w="9525">
+                <a:solidFill>
+                  <a:schemeClr val="tx1"/>
+                </a:solidFill>
+                <a:miter lim="800000"/>
+                <a:headEnd/>
+                <a:tailEnd/>
+              </a14:hiddenLine>
+            </a:ext>
+          </a:extLst>
+        </p:spPr>
+      </p:pic>
     </p:spTree>
     <p:extLst>
       <p:ext uri="{BB962C8B-B14F-4D97-AF65-F5344CB8AC3E}">
-        <p14:creationId xmlns:p14="http://schemas.microsoft.com/office/powerpoint/2010/main" val="2066753549"/>
+        <p14:creationId xmlns:p14="http://schemas.microsoft.com/office/powerpoint/2010/main" val="3569357196"/>
       </p:ext>
     </p:extLst>
   </p:cSld>
   <p:clrMapOvr>
     <a:masterClrMapping/>
   </p:clrMapOvr>
+  <p:timing>
+    <p:tnLst>
+      <p:par>
+        <p:cTn id="1" dur="indefinite" restart="never" nodeType="tmRoot"/>
+      </p:par>
+    </p:tnLst>
+  </p:timing>
 </p:sld>
 </file>
 
@@ -5632,41 +5942,84 @@
           <a:p>
             <a:r>
               <a:rPr lang="en-US" dirty="0" smtClean="0"/>
-              <a:t>Forgot Password</a:t>
-            </a:r>
+              <a:t>Portfolio</a:t>
+            </a:r>
+            <a:br>
+              <a:rPr lang="en-US" dirty="0" smtClean="0"/>
+            </a:br>
             <a:endParaRPr lang="en-US" dirty="0"/>
           </a:p>
         </p:txBody>
       </p:sp>
-      <p:sp>
-        <p:nvSpPr>
-          <p:cNvPr id="3" name="Content Placeholder 2"/>
-          <p:cNvSpPr>
-            <a:spLocks noGrp="1"/>
-          </p:cNvSpPr>
-          <p:nvPr>
-            <p:ph idx="1"/>
-          </p:nvPr>
-        </p:nvSpPr>
-        <p:spPr/>
-        <p:txBody>
-          <a:bodyPr/>
-          <a:lstStyle/>
-          <a:p>
-            <a:endParaRPr lang="en-US"/>
-          </a:p>
-        </p:txBody>
-      </p:sp>
+      <p:pic>
+        <p:nvPicPr>
+          <p:cNvPr id="6146" name="Picture 2"/>
+          <p:cNvPicPr>
+            <a:picLocks noChangeAspect="1" noChangeArrowheads="1"/>
+          </p:cNvPicPr>
+          <p:nvPr/>
+        </p:nvPicPr>
+        <p:blipFill rotWithShape="1">
+          <a:blip r:embed="rId2">
+            <a:extLst>
+              <a:ext uri="{28A0092B-C50C-407E-A947-70E740481C1C}">
+                <a14:useLocalDpi xmlns:a14="http://schemas.microsoft.com/office/drawing/2010/main" val="0"/>
+              </a:ext>
+            </a:extLst>
+          </a:blip>
+          <a:srcRect l="6624" r="8181" b="10141"/>
+          <a:stretch/>
+        </p:blipFill>
+        <p:spPr bwMode="auto">
+          <a:xfrm>
+            <a:off x="0" y="1140030"/>
+            <a:ext cx="9144000" cy="5248895"/>
+          </a:xfrm>
+          <a:prstGeom prst="rect">
+            <a:avLst/>
+          </a:prstGeom>
+          <a:noFill/>
+          <a:ln>
+            <a:noFill/>
+          </a:ln>
+          <a:extLst>
+            <a:ext uri="{909E8E84-426E-40DD-AFC4-6F175D3DCCD1}">
+              <a14:hiddenFill xmlns:a14="http://schemas.microsoft.com/office/drawing/2010/main">
+                <a:solidFill>
+                  <a:schemeClr val="accent1"/>
+                </a:solidFill>
+              </a14:hiddenFill>
+            </a:ext>
+            <a:ext uri="{91240B29-F687-4F45-9708-019B960494DF}">
+              <a14:hiddenLine xmlns:a14="http://schemas.microsoft.com/office/drawing/2010/main" w="9525">
+                <a:solidFill>
+                  <a:schemeClr val="tx1"/>
+                </a:solidFill>
+                <a:miter lim="800000"/>
+                <a:headEnd/>
+                <a:tailEnd/>
+              </a14:hiddenLine>
+            </a:ext>
+          </a:extLst>
+        </p:spPr>
+      </p:pic>
     </p:spTree>
     <p:extLst>
       <p:ext uri="{BB962C8B-B14F-4D97-AF65-F5344CB8AC3E}">
-        <p14:creationId xmlns:p14="http://schemas.microsoft.com/office/powerpoint/2010/main" val="3173129679"/>
+        <p14:creationId xmlns:p14="http://schemas.microsoft.com/office/powerpoint/2010/main" val="2066753549"/>
       </p:ext>
     </p:extLst>
   </p:cSld>
   <p:clrMapOvr>
     <a:masterClrMapping/>
   </p:clrMapOvr>
+  <p:timing>
+    <p:tnLst>
+      <p:par>
+        <p:cTn id="1" dur="indefinite" restart="never" nodeType="tmRoot"/>
+      </p:par>
+    </p:tnLst>
+  </p:timing>
 </p:sld>
 </file>
 
@@ -5704,31 +6057,122 @@
           <a:p>
             <a:r>
               <a:rPr lang="en-US" dirty="0" smtClean="0"/>
-              <a:t>Questions?</a:t>
-            </a:r>
+              <a:t>Questions</a:t>
+            </a:r>
+            <a:r>
+              <a:rPr lang="en-US" dirty="0" smtClean="0"/>
+              <a:t>?</a:t>
+            </a:r>
+            <a:br>
+              <a:rPr lang="en-US" dirty="0" smtClean="0"/>
+            </a:br>
             <a:endParaRPr lang="en-US" dirty="0"/>
           </a:p>
         </p:txBody>
       </p:sp>
-      <p:sp>
-        <p:nvSpPr>
-          <p:cNvPr id="3" name="Content Placeholder 2"/>
-          <p:cNvSpPr>
-            <a:spLocks noGrp="1"/>
-          </p:cNvSpPr>
-          <p:nvPr>
-            <p:ph idx="1"/>
-          </p:nvPr>
-        </p:nvSpPr>
-        <p:spPr/>
-        <p:txBody>
-          <a:bodyPr/>
-          <a:lstStyle/>
-          <a:p>
-            <a:endParaRPr lang="en-US" dirty="0"/>
-          </a:p>
-        </p:txBody>
-      </p:sp>
+      <p:pic>
+        <p:nvPicPr>
+          <p:cNvPr id="8196" name="Picture 4" descr="http://www.thesingaporejobblog.com/wp-content/qa-1024x768.jpg"/>
+          <p:cNvPicPr>
+            <a:picLocks noChangeAspect="1" noChangeArrowheads="1"/>
+          </p:cNvPicPr>
+          <p:nvPr/>
+        </p:nvPicPr>
+        <p:blipFill>
+          <a:blip r:embed="rId2">
+            <a:extLst>
+              <a:ext uri="{28A0092B-C50C-407E-A947-70E740481C1C}">
+                <a14:useLocalDpi xmlns:a14="http://schemas.microsoft.com/office/drawing/2010/main" val="0"/>
+              </a:ext>
+            </a:extLst>
+          </a:blip>
+          <a:srcRect/>
+          <a:stretch>
+            <a:fillRect/>
+          </a:stretch>
+        </p:blipFill>
+        <p:spPr bwMode="auto">
+          <a:xfrm>
+            <a:off x="0" y="1140031"/>
+            <a:ext cx="9144000" cy="4465122"/>
+          </a:xfrm>
+          <a:prstGeom prst="rect">
+            <a:avLst/>
+          </a:prstGeom>
+          <a:noFill/>
+          <a:extLst>
+            <a:ext uri="{909E8E84-426E-40DD-AFC4-6F175D3DCCD1}">
+              <a14:hiddenFill xmlns:a14="http://schemas.microsoft.com/office/drawing/2010/main">
+                <a:solidFill>
+                  <a:srgbClr val="FFFFFF"/>
+                </a:solidFill>
+              </a14:hiddenFill>
+            </a:ext>
+          </a:extLst>
+        </p:spPr>
+      </p:pic>
+      <p:pic>
+        <p:nvPicPr>
+          <p:cNvPr id="8198" name="Picture 6"/>
+          <p:cNvPicPr>
+            <a:picLocks noChangeAspect="1" noChangeArrowheads="1"/>
+          </p:cNvPicPr>
+          <p:nvPr/>
+        </p:nvPicPr>
+        <p:blipFill rotWithShape="1">
+          <a:blip r:embed="rId3">
+            <a:extLst>
+              <a:ext uri="{28A0092B-C50C-407E-A947-70E740481C1C}">
+                <a14:useLocalDpi xmlns:a14="http://schemas.microsoft.com/office/drawing/2010/main" val="0"/>
+              </a:ext>
+            </a:extLst>
+          </a:blip>
+          <a:srcRect t="40719"/>
+          <a:stretch/>
+        </p:blipFill>
+        <p:spPr bwMode="auto">
+          <a:xfrm>
+            <a:off x="2588821" y="5605153"/>
+            <a:ext cx="4215740" cy="1134091"/>
+          </a:xfrm>
+          <a:prstGeom prst="rect">
+            <a:avLst/>
+          </a:prstGeom>
+          <a:noFill/>
+          <a:ln>
+            <a:noFill/>
+          </a:ln>
+          <a:effectLst/>
+          <a:extLst>
+            <a:ext uri="{909E8E84-426E-40DD-AFC4-6F175D3DCCD1}">
+              <a14:hiddenFill xmlns:a14="http://schemas.microsoft.com/office/drawing/2010/main">
+                <a:solidFill>
+                  <a:schemeClr val="accent1"/>
+                </a:solidFill>
+              </a14:hiddenFill>
+            </a:ext>
+            <a:ext uri="{91240B29-F687-4F45-9708-019B960494DF}">
+              <a14:hiddenLine xmlns:a14="http://schemas.microsoft.com/office/drawing/2010/main" w="9525">
+                <a:solidFill>
+                  <a:schemeClr val="tx1"/>
+                </a:solidFill>
+                <a:miter lim="800000"/>
+                <a:headEnd/>
+                <a:tailEnd/>
+              </a14:hiddenLine>
+            </a:ext>
+            <a:ext uri="{AF507438-7753-43E0-B8FC-AC1667EBCBE1}">
+              <a14:hiddenEffects xmlns:a14="http://schemas.microsoft.com/office/drawing/2010/main">
+                <a:effectLst>
+                  <a:outerShdw dist="35921" dir="2700000" algn="ctr" rotWithShape="0">
+                    <a:schemeClr val="bg2"/>
+                  </a:outerShdw>
+                </a:effectLst>
+              </a14:hiddenEffects>
+            </a:ext>
+          </a:extLst>
+        </p:spPr>
+      </p:pic>
     </p:spTree>
     <p:extLst>
       <p:ext uri="{BB962C8B-B14F-4D97-AF65-F5344CB8AC3E}">
@@ -5739,6 +6183,13 @@
   <p:clrMapOvr>
     <a:masterClrMapping/>
   </p:clrMapOvr>
+  <p:timing>
+    <p:tnLst>
+      <p:par>
+        <p:cTn id="1" dur="indefinite" restart="never" nodeType="tmRoot"/>
+      </p:par>
+    </p:tnLst>
+  </p:timing>
 </p:sld>
 </file>
 

--- a/svmpresentation.pptx
+++ b/svmpresentation.pptx
@@ -311,7 +311,7 @@
           <a:p>
             <a:fld id="{98C86ECB-5225-BA49-92EA-D575C15DEB9B}" type="datetimeFigureOut">
               <a:rPr lang="en-US" smtClean="0"/>
-              <a:t>3/14/2015</a:t>
+              <a:t>3/15/2015</a:t>
             </a:fld>
             <a:endParaRPr lang="en-US"/>
           </a:p>
@@ -440,7 +440,7 @@
           <a:p>
             <a:fld id="{98C86ECB-5225-BA49-92EA-D575C15DEB9B}" type="datetimeFigureOut">
               <a:rPr lang="en-US" smtClean="0"/>
-              <a:t>3/14/2015</a:t>
+              <a:t>3/15/2015</a:t>
             </a:fld>
             <a:endParaRPr lang="en-US"/>
           </a:p>
@@ -745,7 +745,7 @@
           <a:p>
             <a:fld id="{98C86ECB-5225-BA49-92EA-D575C15DEB9B}" type="datetimeFigureOut">
               <a:rPr lang="en-US" smtClean="0"/>
-              <a:t>3/14/2015</a:t>
+              <a:t>3/15/2015</a:t>
             </a:fld>
             <a:endParaRPr lang="en-US"/>
           </a:p>
@@ -971,7 +971,7 @@
           <a:p>
             <a:fld id="{98C86ECB-5225-BA49-92EA-D575C15DEB9B}" type="datetimeFigureOut">
               <a:rPr lang="en-US" smtClean="0"/>
-              <a:t>3/14/2015</a:t>
+              <a:t>3/15/2015</a:t>
             </a:fld>
             <a:endParaRPr lang="en-US"/>
           </a:p>
@@ -1241,7 +1241,7 @@
           <a:p>
             <a:fld id="{98C86ECB-5225-BA49-92EA-D575C15DEB9B}" type="datetimeFigureOut">
               <a:rPr lang="en-US" smtClean="0"/>
-              <a:t>3/14/2015</a:t>
+              <a:t>3/15/2015</a:t>
             </a:fld>
             <a:endParaRPr lang="en-US"/>
           </a:p>
@@ -1566,7 +1566,7 @@
           <a:p>
             <a:fld id="{98C86ECB-5225-BA49-92EA-D575C15DEB9B}" type="datetimeFigureOut">
               <a:rPr lang="en-US" smtClean="0"/>
-              <a:t>3/14/2015</a:t>
+              <a:t>3/15/2015</a:t>
             </a:fld>
             <a:endParaRPr lang="en-US"/>
           </a:p>
@@ -1759,7 +1759,7 @@
           <a:p>
             <a:fld id="{98C86ECB-5225-BA49-92EA-D575C15DEB9B}" type="datetimeFigureOut">
               <a:rPr lang="en-US" smtClean="0"/>
-              <a:t>3/14/2015</a:t>
+              <a:t>3/15/2015</a:t>
             </a:fld>
             <a:endParaRPr lang="en-US"/>
           </a:p>
@@ -1863,7 +1863,7 @@
           <a:p>
             <a:fld id="{98C86ECB-5225-BA49-92EA-D575C15DEB9B}" type="datetimeFigureOut">
               <a:rPr lang="en-US" smtClean="0"/>
-              <a:t>3/14/2015</a:t>
+              <a:t>3/15/2015</a:t>
             </a:fld>
             <a:endParaRPr lang="en-US"/>
           </a:p>
@@ -2032,7 +2032,7 @@
           <a:p>
             <a:fld id="{98C86ECB-5225-BA49-92EA-D575C15DEB9B}" type="datetimeFigureOut">
               <a:rPr lang="en-US" smtClean="0"/>
-              <a:t>3/14/2015</a:t>
+              <a:t>3/15/2015</a:t>
             </a:fld>
             <a:endParaRPr lang="en-US"/>
           </a:p>
@@ -2296,7 +2296,7 @@
           <a:p>
             <a:fld id="{98C86ECB-5225-BA49-92EA-D575C15DEB9B}" type="datetimeFigureOut">
               <a:rPr lang="en-US" smtClean="0"/>
-              <a:t>3/14/2015</a:t>
+              <a:t>3/15/2015</a:t>
             </a:fld>
             <a:endParaRPr lang="en-US"/>
           </a:p>
@@ -2630,7 +2630,7 @@
           <a:p>
             <a:fld id="{98C86ECB-5225-BA49-92EA-D575C15DEB9B}" type="datetimeFigureOut">
               <a:rPr lang="en-US" smtClean="0"/>
-              <a:t>3/14/2015</a:t>
+              <a:t>3/15/2015</a:t>
             </a:fld>
             <a:endParaRPr lang="en-US"/>
           </a:p>
@@ -3071,7 +3071,7 @@
           <a:p>
             <a:fld id="{98C86ECB-5225-BA49-92EA-D575C15DEB9B}" type="datetimeFigureOut">
               <a:rPr lang="en-US" smtClean="0"/>
-              <a:t>3/14/2015</a:t>
+              <a:t>3/15/2015</a:t>
             </a:fld>
             <a:endParaRPr lang="en-US"/>
           </a:p>
@@ -3269,7 +3269,7 @@
           <a:p>
             <a:fld id="{98C86ECB-5225-BA49-92EA-D575C15DEB9B}" type="datetimeFigureOut">
               <a:rPr lang="en-US" smtClean="0"/>
-              <a:t>3/14/2015</a:t>
+              <a:t>3/15/2015</a:t>
             </a:fld>
             <a:endParaRPr lang="en-US"/>
           </a:p>
@@ -3552,7 +3552,7 @@
           <a:p>
             <a:fld id="{98C86ECB-5225-BA49-92EA-D575C15DEB9B}" type="datetimeFigureOut">
               <a:rPr lang="en-US" smtClean="0"/>
-              <a:t>3/14/2015</a:t>
+              <a:t>3/15/2015</a:t>
             </a:fld>
             <a:endParaRPr lang="en-US"/>
           </a:p>
@@ -3920,7 +3920,7 @@
           <a:p>
             <a:fld id="{98C86ECB-5225-BA49-92EA-D575C15DEB9B}" type="datetimeFigureOut">
               <a:rPr lang="en-US" smtClean="0"/>
-              <a:t>3/14/2015</a:t>
+              <a:t>3/15/2015</a:t>
             </a:fld>
             <a:endParaRPr lang="en-US"/>
           </a:p>
@@ -4416,7 +4416,7 @@
           <a:p>
             <a:fld id="{98C86ECB-5225-BA49-92EA-D575C15DEB9B}" type="datetimeFigureOut">
               <a:rPr lang="en-US" smtClean="0"/>
-              <a:t>3/14/2015</a:t>
+              <a:t>3/15/2015</a:t>
             </a:fld>
             <a:endParaRPr lang="en-US"/>
           </a:p>
@@ -4625,7 +4625,7 @@
           <a:p>
             <a:fld id="{98C86ECB-5225-BA49-92EA-D575C15DEB9B}" type="datetimeFigureOut">
               <a:rPr lang="en-US" smtClean="0"/>
-              <a:t>3/14/2015</a:t>
+              <a:t>3/15/2015</a:t>
             </a:fld>
             <a:endParaRPr lang="en-US"/>
           </a:p>
@@ -5103,18 +5103,7 @@
                   </a:schemeClr>
                 </a:solidFill>
               </a:rPr>
-              <a:t>Stock Virtual </a:t>
-            </a:r>
-            <a:r>
-              <a:rPr lang="en-US" sz="4400" b="1" dirty="0" smtClean="0">
-                <a:solidFill>
-                  <a:schemeClr val="accent1">
-                    <a:lumMod val="60000"/>
-                    <a:lumOff val="40000"/>
-                  </a:schemeClr>
-                </a:solidFill>
-              </a:rPr>
-              <a:t>Machine</a:t>
+              <a:t>Stock Virtual Machine</a:t>
             </a:r>
             <a:br>
               <a:rPr lang="en-US" sz="4400" b="1" dirty="0" smtClean="0">
@@ -5156,11 +5145,7 @@
           <a:p>
             <a:r>
               <a:rPr lang="en-US" sz="2400" b="1" dirty="0" smtClean="0"/>
-              <a:t>Sujal </a:t>
-            </a:r>
-            <a:r>
-              <a:rPr lang="en-US" sz="2400" b="1" dirty="0" smtClean="0"/>
-              <a:t>Patel</a:t>
+              <a:t>Sujal Patel</a:t>
             </a:r>
           </a:p>
           <a:p>
@@ -5172,11 +5157,7 @@
           <a:p>
             <a:r>
               <a:rPr lang="en-US" sz="2400" b="1" dirty="0" smtClean="0"/>
-              <a:t>Sujay </a:t>
-            </a:r>
-            <a:r>
-              <a:rPr lang="en-US" sz="2400" b="1" dirty="0" smtClean="0"/>
-              <a:t>Patel </a:t>
+              <a:t>Sujay Patel </a:t>
             </a:r>
             <a:endParaRPr lang="en-US" sz="2400" b="1" dirty="0"/>
           </a:p>
@@ -5589,11 +5570,7 @@
           <a:p>
             <a:r>
               <a:rPr lang="en-US" dirty="0" smtClean="0"/>
-              <a:t>Forgot </a:t>
-            </a:r>
-            <a:r>
-              <a:rPr lang="en-US" dirty="0" smtClean="0"/>
-              <a:t>Password</a:t>
+              <a:t>Forgot Password</a:t>
             </a:r>
             <a:br>
               <a:rPr lang="en-US" dirty="0" smtClean="0"/>
@@ -5604,7 +5581,7 @@
       </p:sp>
       <p:pic>
         <p:nvPicPr>
-          <p:cNvPr id="7170" name="Picture 2"/>
+          <p:cNvPr id="1026" name="Picture 2"/>
           <p:cNvPicPr>
             <a:picLocks noChangeAspect="1" noChangeArrowheads="1"/>
           </p:cNvPicPr>
@@ -5618,13 +5595,65 @@
               </a:ext>
             </a:extLst>
           </a:blip>
-          <a:srcRect l="17554" r="18616" b="54221"/>
+          <a:srcRect l="15201" r="14160" b="50000"/>
           <a:stretch/>
         </p:blipFill>
         <p:spPr bwMode="auto">
           <a:xfrm>
-            <a:off x="0" y="1199405"/>
-            <a:ext cx="9143999" cy="5157247"/>
+            <a:off x="724395" y="1238758"/>
+            <a:ext cx="7825839" cy="3309489"/>
+          </a:xfrm>
+          <a:prstGeom prst="rect">
+            <a:avLst/>
+          </a:prstGeom>
+          <a:noFill/>
+          <a:ln>
+            <a:noFill/>
+          </a:ln>
+          <a:extLst>
+            <a:ext uri="{909E8E84-426E-40DD-AFC4-6F175D3DCCD1}">
+              <a14:hiddenFill xmlns:a14="http://schemas.microsoft.com/office/drawing/2010/main">
+                <a:solidFill>
+                  <a:schemeClr val="accent1"/>
+                </a:solidFill>
+              </a14:hiddenFill>
+            </a:ext>
+            <a:ext uri="{91240B29-F687-4F45-9708-019B960494DF}">
+              <a14:hiddenLine xmlns:a14="http://schemas.microsoft.com/office/drawing/2010/main" w="9525">
+                <a:solidFill>
+                  <a:schemeClr val="tx1"/>
+                </a:solidFill>
+                <a:miter lim="800000"/>
+                <a:headEnd/>
+                <a:tailEnd/>
+              </a14:hiddenLine>
+            </a:ext>
+          </a:extLst>
+        </p:spPr>
+      </p:pic>
+      <p:pic>
+        <p:nvPicPr>
+          <p:cNvPr id="1027" name="Picture 3"/>
+          <p:cNvPicPr>
+            <a:picLocks noChangeAspect="1" noChangeArrowheads="1"/>
+          </p:cNvPicPr>
+          <p:nvPr/>
+        </p:nvPicPr>
+        <p:blipFill rotWithShape="1">
+          <a:blip r:embed="rId3">
+            <a:extLst>
+              <a:ext uri="{28A0092B-C50C-407E-A947-70E740481C1C}">
+                <a14:useLocalDpi xmlns:a14="http://schemas.microsoft.com/office/drawing/2010/main" val="0"/>
+              </a:ext>
+            </a:extLst>
+          </a:blip>
+          <a:srcRect l="40507" t="12601" r="40463" b="58341"/>
+          <a:stretch/>
+        </p:blipFill>
+        <p:spPr bwMode="auto">
+          <a:xfrm>
+            <a:off x="3200397" y="4690752"/>
+            <a:ext cx="2214751" cy="1953491"/>
           </a:xfrm>
           <a:prstGeom prst="rect">
             <a:avLst/>
@@ -5823,11 +5852,7 @@
           <a:p>
             <a:r>
               <a:rPr lang="en-US" dirty="0" smtClean="0"/>
-              <a:t>About </a:t>
-            </a:r>
-            <a:r>
-              <a:rPr lang="en-US" dirty="0" smtClean="0"/>
-              <a:t>us</a:t>
+              <a:t>About us</a:t>
             </a:r>
             <a:br>
               <a:rPr lang="en-US" dirty="0" smtClean="0"/>
@@ -6057,11 +6082,7 @@
           <a:p>
             <a:r>
               <a:rPr lang="en-US" dirty="0" smtClean="0"/>
-              <a:t>Questions</a:t>
-            </a:r>
-            <a:r>
-              <a:rPr lang="en-US" dirty="0" smtClean="0"/>
-              <a:t>?</a:t>
+              <a:t>Questions?</a:t>
             </a:r>
             <a:br>
               <a:rPr lang="en-US" dirty="0" smtClean="0"/>

--- a/svmpresentation.pptx
+++ b/svmpresentation.pptx
@@ -311,7 +311,7 @@
           <a:p>
             <a:fld id="{98C86ECB-5225-BA49-92EA-D575C15DEB9B}" type="datetimeFigureOut">
               <a:rPr lang="en-US" smtClean="0"/>
-              <a:t>3/15/2015</a:t>
+              <a:t>3/16/2015</a:t>
             </a:fld>
             <a:endParaRPr lang="en-US"/>
           </a:p>
@@ -440,7 +440,7 @@
           <a:p>
             <a:fld id="{98C86ECB-5225-BA49-92EA-D575C15DEB9B}" type="datetimeFigureOut">
               <a:rPr lang="en-US" smtClean="0"/>
-              <a:t>3/15/2015</a:t>
+              <a:t>3/16/2015</a:t>
             </a:fld>
             <a:endParaRPr lang="en-US"/>
           </a:p>
@@ -745,7 +745,7 @@
           <a:p>
             <a:fld id="{98C86ECB-5225-BA49-92EA-D575C15DEB9B}" type="datetimeFigureOut">
               <a:rPr lang="en-US" smtClean="0"/>
-              <a:t>3/15/2015</a:t>
+              <a:t>3/16/2015</a:t>
             </a:fld>
             <a:endParaRPr lang="en-US"/>
           </a:p>
@@ -971,7 +971,7 @@
           <a:p>
             <a:fld id="{98C86ECB-5225-BA49-92EA-D575C15DEB9B}" type="datetimeFigureOut">
               <a:rPr lang="en-US" smtClean="0"/>
-              <a:t>3/15/2015</a:t>
+              <a:t>3/16/2015</a:t>
             </a:fld>
             <a:endParaRPr lang="en-US"/>
           </a:p>
@@ -1241,7 +1241,7 @@
           <a:p>
             <a:fld id="{98C86ECB-5225-BA49-92EA-D575C15DEB9B}" type="datetimeFigureOut">
               <a:rPr lang="en-US" smtClean="0"/>
-              <a:t>3/15/2015</a:t>
+              <a:t>3/16/2015</a:t>
             </a:fld>
             <a:endParaRPr lang="en-US"/>
           </a:p>
@@ -1566,7 +1566,7 @@
           <a:p>
             <a:fld id="{98C86ECB-5225-BA49-92EA-D575C15DEB9B}" type="datetimeFigureOut">
               <a:rPr lang="en-US" smtClean="0"/>
-              <a:t>3/15/2015</a:t>
+              <a:t>3/16/2015</a:t>
             </a:fld>
             <a:endParaRPr lang="en-US"/>
           </a:p>
@@ -1759,7 +1759,7 @@
           <a:p>
             <a:fld id="{98C86ECB-5225-BA49-92EA-D575C15DEB9B}" type="datetimeFigureOut">
               <a:rPr lang="en-US" smtClean="0"/>
-              <a:t>3/15/2015</a:t>
+              <a:t>3/16/2015</a:t>
             </a:fld>
             <a:endParaRPr lang="en-US"/>
           </a:p>
@@ -1863,7 +1863,7 @@
           <a:p>
             <a:fld id="{98C86ECB-5225-BA49-92EA-D575C15DEB9B}" type="datetimeFigureOut">
               <a:rPr lang="en-US" smtClean="0"/>
-              <a:t>3/15/2015</a:t>
+              <a:t>3/16/2015</a:t>
             </a:fld>
             <a:endParaRPr lang="en-US"/>
           </a:p>
@@ -2032,7 +2032,7 @@
           <a:p>
             <a:fld id="{98C86ECB-5225-BA49-92EA-D575C15DEB9B}" type="datetimeFigureOut">
               <a:rPr lang="en-US" smtClean="0"/>
-              <a:t>3/15/2015</a:t>
+              <a:t>3/16/2015</a:t>
             </a:fld>
             <a:endParaRPr lang="en-US"/>
           </a:p>
@@ -2296,7 +2296,7 @@
           <a:p>
             <a:fld id="{98C86ECB-5225-BA49-92EA-D575C15DEB9B}" type="datetimeFigureOut">
               <a:rPr lang="en-US" smtClean="0"/>
-              <a:t>3/15/2015</a:t>
+              <a:t>3/16/2015</a:t>
             </a:fld>
             <a:endParaRPr lang="en-US"/>
           </a:p>
@@ -2630,7 +2630,7 @@
           <a:p>
             <a:fld id="{98C86ECB-5225-BA49-92EA-D575C15DEB9B}" type="datetimeFigureOut">
               <a:rPr lang="en-US" smtClean="0"/>
-              <a:t>3/15/2015</a:t>
+              <a:t>3/16/2015</a:t>
             </a:fld>
             <a:endParaRPr lang="en-US"/>
           </a:p>
@@ -3071,7 +3071,7 @@
           <a:p>
             <a:fld id="{98C86ECB-5225-BA49-92EA-D575C15DEB9B}" type="datetimeFigureOut">
               <a:rPr lang="en-US" smtClean="0"/>
-              <a:t>3/15/2015</a:t>
+              <a:t>3/16/2015</a:t>
             </a:fld>
             <a:endParaRPr lang="en-US"/>
           </a:p>
@@ -3269,7 +3269,7 @@
           <a:p>
             <a:fld id="{98C86ECB-5225-BA49-92EA-D575C15DEB9B}" type="datetimeFigureOut">
               <a:rPr lang="en-US" smtClean="0"/>
-              <a:t>3/15/2015</a:t>
+              <a:t>3/16/2015</a:t>
             </a:fld>
             <a:endParaRPr lang="en-US"/>
           </a:p>
@@ -3552,7 +3552,7 @@
           <a:p>
             <a:fld id="{98C86ECB-5225-BA49-92EA-D575C15DEB9B}" type="datetimeFigureOut">
               <a:rPr lang="en-US" smtClean="0"/>
-              <a:t>3/15/2015</a:t>
+              <a:t>3/16/2015</a:t>
             </a:fld>
             <a:endParaRPr lang="en-US"/>
           </a:p>
@@ -3920,7 +3920,7 @@
           <a:p>
             <a:fld id="{98C86ECB-5225-BA49-92EA-D575C15DEB9B}" type="datetimeFigureOut">
               <a:rPr lang="en-US" smtClean="0"/>
-              <a:t>3/15/2015</a:t>
+              <a:t>3/16/2015</a:t>
             </a:fld>
             <a:endParaRPr lang="en-US"/>
           </a:p>
@@ -4416,7 +4416,7 @@
           <a:p>
             <a:fld id="{98C86ECB-5225-BA49-92EA-D575C15DEB9B}" type="datetimeFigureOut">
               <a:rPr lang="en-US" smtClean="0"/>
-              <a:t>3/15/2015</a:t>
+              <a:t>3/16/2015</a:t>
             </a:fld>
             <a:endParaRPr lang="en-US"/>
           </a:p>
@@ -4625,7 +4625,7 @@
           <a:p>
             <a:fld id="{98C86ECB-5225-BA49-92EA-D575C15DEB9B}" type="datetimeFigureOut">
               <a:rPr lang="en-US" smtClean="0"/>
-              <a:t>3/15/2015</a:t>
+              <a:t>3/16/2015</a:t>
             </a:fld>
             <a:endParaRPr lang="en-US"/>
           </a:p>
@@ -5228,13 +5228,13 @@
       </p:sp>
       <p:pic>
         <p:nvPicPr>
-          <p:cNvPr id="1026" name="Picture 2" descr="C:\Users\Sujal\Desktop\Home Page.png"/>
+          <p:cNvPr id="2050" name="Picture 2"/>
           <p:cNvPicPr>
             <a:picLocks noChangeAspect="1" noChangeArrowheads="1"/>
           </p:cNvPicPr>
           <p:nvPr/>
         </p:nvPicPr>
-        <p:blipFill>
+        <p:blipFill rotWithShape="1">
           <a:blip r:embed="rId2">
             <a:extLst>
               <a:ext uri="{28A0092B-C50C-407E-A947-70E740481C1C}">
@@ -5242,27 +5242,38 @@
               </a:ext>
             </a:extLst>
           </a:blip>
-          <a:srcRect/>
-          <a:stretch>
-            <a:fillRect/>
-          </a:stretch>
+          <a:srcRect b="2579"/>
+          <a:stretch/>
         </p:blipFill>
         <p:spPr bwMode="auto">
           <a:xfrm>
-            <a:off x="0" y="1033154"/>
-            <a:ext cx="9144000" cy="5569528"/>
+            <a:off x="0" y="1101223"/>
+            <a:ext cx="9144000" cy="5394170"/>
           </a:xfrm>
           <a:prstGeom prst="rect">
             <a:avLst/>
           </a:prstGeom>
           <a:noFill/>
+          <a:ln>
+            <a:noFill/>
+          </a:ln>
           <a:extLst>
             <a:ext uri="{909E8E84-426E-40DD-AFC4-6F175D3DCCD1}">
               <a14:hiddenFill xmlns:a14="http://schemas.microsoft.com/office/drawing/2010/main">
                 <a:solidFill>
-                  <a:srgbClr val="FFFFFF"/>
+                  <a:schemeClr val="accent1"/>
                 </a:solidFill>
               </a14:hiddenFill>
+            </a:ext>
+            <a:ext uri="{91240B29-F687-4F45-9708-019B960494DF}">
+              <a14:hiddenLine xmlns:a14="http://schemas.microsoft.com/office/drawing/2010/main" w="9525">
+                <a:solidFill>
+                  <a:schemeClr val="tx1"/>
+                </a:solidFill>
+                <a:miter lim="800000"/>
+                <a:headEnd/>
+                <a:tailEnd/>
+              </a14:hiddenLine>
             </a:ext>
           </a:extLst>
         </p:spPr>
@@ -5863,7 +5874,7 @@
       </p:sp>
       <p:pic>
         <p:nvPicPr>
-          <p:cNvPr id="5122" name="Picture 2"/>
+          <p:cNvPr id="1026" name="Picture 2"/>
           <p:cNvPicPr>
             <a:picLocks noChangeAspect="1" noChangeArrowheads="1"/>
           </p:cNvPicPr>
@@ -5877,13 +5888,13 @@
               </a:ext>
             </a:extLst>
           </a:blip>
-          <a:srcRect b="16505"/>
+          <a:srcRect b="7464"/>
           <a:stretch/>
         </p:blipFill>
         <p:spPr bwMode="auto">
           <a:xfrm>
-            <a:off x="-7593" y="1104405"/>
-            <a:ext cx="9151593" cy="5320145"/>
+            <a:off x="0" y="1092530"/>
+            <a:ext cx="9144000" cy="5557652"/>
           </a:xfrm>
           <a:prstGeom prst="rect">
             <a:avLst/>
